--- a/00-Resources/05. Routing-and-Architecture.pptx
+++ b/00-Resources/05. Routing-and-Architecture.pptx
@@ -187,7 +187,7 @@
       </p14:sectionLst>
     </p:ext>
     <p:ext uri="{EFAFB233-063F-42B5-8137-9DF3F51BA10A}">
-      <p15:sldGuideLst xmlns="" xmlns:p15="http://schemas.microsoft.com/office/powerpoint/2012/main">
+      <p15:sldGuideLst xmlns:p15="http://schemas.microsoft.com/office/powerpoint/2012/main">
         <p15:guide id="1" orient="horz" pos="2160" userDrawn="1">
           <p15:clr>
             <a:srgbClr val="A4A3A4"/>
@@ -201,7 +201,7 @@
       </p15:sldGuideLst>
     </p:ext>
     <p:ext uri="{2D200454-40CA-4A62-9FC3-DE9A4176ACB9}">
-      <p15:notesGuideLst xmlns="" xmlns:p15="http://schemas.microsoft.com/office/powerpoint/2012/main">
+      <p15:notesGuideLst xmlns:p15="http://schemas.microsoft.com/office/powerpoint/2012/main">
         <p15:guide id="1" orient="horz" pos="2880">
           <p15:clr>
             <a:srgbClr val="A4A3A4"/>
@@ -216,10 +216,6 @@
     </p:ext>
   </p:extLst>
 </p:presentation>
-</file>
-
-<file path=ppt/revisionInfo.xml><?xml version="1.0" encoding="utf-8"?>
-<p1510:revInfo xmlns:a="http://schemas.openxmlformats.org/drawingml/2006/main" xmlns:r="http://schemas.openxmlformats.org/officeDocument/2006/relationships" xmlns:p1510="http://schemas.microsoft.com/office/powerpoint/2015/10/main"/>
 </file>
 
 <file path=ppt/handoutMasters/handoutMaster1.xml><?xml version="1.0" encoding="utf-8"?>
@@ -305,7 +301,7 @@
             <a:fld id="{FE5B4EDC-59C0-49C7-8ADA-5A781B329E02}" type="datetimeFigureOut">
               <a:rPr lang="en-US"/>
               <a:pPr/>
-              <a:t>6/29/2018</a:t>
+              <a:t>07-Jul-18</a:t>
             </a:fld>
             <a:endParaRPr dirty="0"/>
           </a:p>
@@ -504,7 +500,7 @@
             <a:fld id="{F2D8D46A-B586-417D-BFBD-8C8FE0AAF762}" type="datetimeFigureOut">
               <a:rPr lang="en-US" smtClean="0"/>
               <a:pPr/>
-              <a:t>6/29/2018</a:t>
+              <a:t>07-Jul-18</a:t>
             </a:fld>
             <a:endParaRPr lang="en-US" dirty="0"/>
           </a:p>
@@ -2256,7 +2252,7 @@
             <a:fld id="{055373AC-9AA7-423B-BA00-BA1C74164DBD}" type="datetime1">
               <a:rPr lang="en-US" smtClean="0"/>
               <a:pPr/>
-              <a:t>6/29/2018</a:t>
+              <a:t>07-Jul-18</a:t>
             </a:fld>
             <a:endParaRPr lang="en-US" dirty="0"/>
           </a:p>
@@ -2468,7 +2464,7 @@
           <p:cNvPr id="8" name="Picture 7">
             <a:extLst>
               <a:ext uri="{FF2B5EF4-FFF2-40B4-BE49-F238E27FC236}">
-                <a16:creationId xmlns="" xmlns:a16="http://schemas.microsoft.com/office/drawing/2014/main" id="{51D88274-EADB-4D91-A3FA-46509D5A9E48}"/>
+                <a16:creationId xmlns:a16="http://schemas.microsoft.com/office/drawing/2014/main" id="{51D88274-EADB-4D91-A3FA-46509D5A9E48}"/>
               </a:ext>
             </a:extLst>
           </p:cNvPr>
@@ -2704,7 +2700,7 @@
           <p:cNvPr id="5" name="Picture 4">
             <a:extLst>
               <a:ext uri="{FF2B5EF4-FFF2-40B4-BE49-F238E27FC236}">
-                <a16:creationId xmlns="" xmlns:a16="http://schemas.microsoft.com/office/drawing/2014/main" id="{47AA3D92-3261-477D-B938-027C7E7C28C4}"/>
+                <a16:creationId xmlns:a16="http://schemas.microsoft.com/office/drawing/2014/main" id="{47AA3D92-3261-477D-B938-027C7E7C28C4}"/>
               </a:ext>
             </a:extLst>
           </p:cNvPr>
@@ -2828,7 +2824,7 @@
           <p:cNvPr id="2" name="Text Placeholder 29">
             <a:extLst>
               <a:ext uri="{FF2B5EF4-FFF2-40B4-BE49-F238E27FC236}">
-                <a16:creationId xmlns="" xmlns:a16="http://schemas.microsoft.com/office/drawing/2014/main" id="{137202EB-ED0E-4E36-AF0D-3C14E1E17960}"/>
+                <a16:creationId xmlns:a16="http://schemas.microsoft.com/office/drawing/2014/main" id="{137202EB-ED0E-4E36-AF0D-3C14E1E17960}"/>
               </a:ext>
             </a:extLst>
           </p:cNvPr>
@@ -2874,7 +2870,7 @@
           <p:cNvPr id="3" name="Title 1">
             <a:extLst>
               <a:ext uri="{FF2B5EF4-FFF2-40B4-BE49-F238E27FC236}">
-                <a16:creationId xmlns="" xmlns:a16="http://schemas.microsoft.com/office/drawing/2014/main" id="{AF2F2189-2658-41D9-B248-2A427509988F}"/>
+                <a16:creationId xmlns:a16="http://schemas.microsoft.com/office/drawing/2014/main" id="{AF2F2189-2658-41D9-B248-2A427509988F}"/>
               </a:ext>
             </a:extLst>
           </p:cNvPr>
@@ -2917,7 +2913,7 @@
           <p:cNvPr id="4" name="Picture 3">
             <a:extLst>
               <a:ext uri="{FF2B5EF4-FFF2-40B4-BE49-F238E27FC236}">
-                <a16:creationId xmlns="" xmlns:a16="http://schemas.microsoft.com/office/drawing/2014/main" id="{2DB20CF9-A1E5-4594-B6B5-4E33A9373C7D}"/>
+                <a16:creationId xmlns:a16="http://schemas.microsoft.com/office/drawing/2014/main" id="{2DB20CF9-A1E5-4594-B6B5-4E33A9373C7D}"/>
               </a:ext>
             </a:extLst>
           </p:cNvPr>
@@ -2953,7 +2949,7 @@
           <p:cNvPr id="5" name="Rectangle 4">
             <a:extLst>
               <a:ext uri="{FF2B5EF4-FFF2-40B4-BE49-F238E27FC236}">
-                <a16:creationId xmlns="" xmlns:a16="http://schemas.microsoft.com/office/drawing/2014/main" id="{50C72FAC-F5FC-4E78-AF2E-5FE88145F87F}"/>
+                <a16:creationId xmlns:a16="http://schemas.microsoft.com/office/drawing/2014/main" id="{50C72FAC-F5FC-4E78-AF2E-5FE88145F87F}"/>
               </a:ext>
             </a:extLst>
           </p:cNvPr>
@@ -3030,7 +3026,7 @@
           <p:cNvPr id="6" name="Picture 5">
             <a:extLst>
               <a:ext uri="{FF2B5EF4-FFF2-40B4-BE49-F238E27FC236}">
-                <a16:creationId xmlns="" xmlns:a16="http://schemas.microsoft.com/office/drawing/2014/main" id="{40AA82EC-2BC4-4E2F-8DDF-AD19DA7284E3}"/>
+                <a16:creationId xmlns:a16="http://schemas.microsoft.com/office/drawing/2014/main" id="{40AA82EC-2BC4-4E2F-8DDF-AD19DA7284E3}"/>
               </a:ext>
             </a:extLst>
           </p:cNvPr>
@@ -3067,7 +3063,7 @@
             <a:hlinkClick r:id="rId5" tooltip="Software University Foundaton"/>
             <a:extLst>
               <a:ext uri="{FF2B5EF4-FFF2-40B4-BE49-F238E27FC236}">
-                <a16:creationId xmlns="" xmlns:a16="http://schemas.microsoft.com/office/drawing/2014/main" id="{16E2CED5-12CB-4DAB-AB53-DAFC84087DD6}"/>
+                <a16:creationId xmlns:a16="http://schemas.microsoft.com/office/drawing/2014/main" id="{16E2CED5-12CB-4DAB-AB53-DAFC84087DD6}"/>
               </a:ext>
             </a:extLst>
           </p:cNvPr>
@@ -3107,7 +3103,7 @@
             <a:hlinkClick r:id="rId5" tooltip="Software University Foundaton"/>
             <a:extLst>
               <a:ext uri="{FF2B5EF4-FFF2-40B4-BE49-F238E27FC236}">
-                <a16:creationId xmlns="" xmlns:a16="http://schemas.microsoft.com/office/drawing/2014/main" id="{6AD1C000-AB32-4602-B810-4D9852856055}"/>
+                <a16:creationId xmlns:a16="http://schemas.microsoft.com/office/drawing/2014/main" id="{6AD1C000-AB32-4602-B810-4D9852856055}"/>
               </a:ext>
             </a:extLst>
           </p:cNvPr>
@@ -3147,7 +3143,7 @@
             <a:hlinkClick r:id="rId5" tooltip="Software University Foundaton"/>
             <a:extLst>
               <a:ext uri="{FF2B5EF4-FFF2-40B4-BE49-F238E27FC236}">
-                <a16:creationId xmlns="" xmlns:a16="http://schemas.microsoft.com/office/drawing/2014/main" id="{3CE77DE0-66FC-48AC-A23C-2E121AF40F0C}"/>
+                <a16:creationId xmlns:a16="http://schemas.microsoft.com/office/drawing/2014/main" id="{3CE77DE0-66FC-48AC-A23C-2E121AF40F0C}"/>
               </a:ext>
             </a:extLst>
           </p:cNvPr>
@@ -3187,7 +3183,7 @@
             <a:hlinkClick r:id="rId5" tooltip="Software University Foundaton"/>
             <a:extLst>
               <a:ext uri="{FF2B5EF4-FFF2-40B4-BE49-F238E27FC236}">
-                <a16:creationId xmlns="" xmlns:a16="http://schemas.microsoft.com/office/drawing/2014/main" id="{E7C26DA3-0849-42C5-9508-EF9BFF7C47DB}"/>
+                <a16:creationId xmlns:a16="http://schemas.microsoft.com/office/drawing/2014/main" id="{E7C26DA3-0849-42C5-9508-EF9BFF7C47DB}"/>
               </a:ext>
             </a:extLst>
           </p:cNvPr>
@@ -3227,7 +3223,7 @@
             <a:hlinkClick r:id="rId5" tooltip="Software University Foundaton"/>
             <a:extLst>
               <a:ext uri="{FF2B5EF4-FFF2-40B4-BE49-F238E27FC236}">
-                <a16:creationId xmlns="" xmlns:a16="http://schemas.microsoft.com/office/drawing/2014/main" id="{AB44A4A6-AE34-4A8F-9077-D6569BF40B0C}"/>
+                <a16:creationId xmlns:a16="http://schemas.microsoft.com/office/drawing/2014/main" id="{AB44A4A6-AE34-4A8F-9077-D6569BF40B0C}"/>
               </a:ext>
             </a:extLst>
           </p:cNvPr>
@@ -3267,7 +3263,7 @@
             <a:hlinkClick r:id="rId5" tooltip="Software University Foundaton"/>
             <a:extLst>
               <a:ext uri="{FF2B5EF4-FFF2-40B4-BE49-F238E27FC236}">
-                <a16:creationId xmlns="" xmlns:a16="http://schemas.microsoft.com/office/drawing/2014/main" id="{68861D82-7435-41E8-B5ED-398623FC4F51}"/>
+                <a16:creationId xmlns:a16="http://schemas.microsoft.com/office/drawing/2014/main" id="{68861D82-7435-41E8-B5ED-398623FC4F51}"/>
               </a:ext>
             </a:extLst>
           </p:cNvPr>
@@ -3307,7 +3303,7 @@
             <a:hlinkClick r:id="rId5" tooltip="Software University Foundaton"/>
             <a:extLst>
               <a:ext uri="{FF2B5EF4-FFF2-40B4-BE49-F238E27FC236}">
-                <a16:creationId xmlns="" xmlns:a16="http://schemas.microsoft.com/office/drawing/2014/main" id="{C224F999-651D-4A26-8A68-EB68765C5790}"/>
+                <a16:creationId xmlns:a16="http://schemas.microsoft.com/office/drawing/2014/main" id="{C224F999-651D-4A26-8A68-EB68765C5790}"/>
               </a:ext>
             </a:extLst>
           </p:cNvPr>
@@ -3347,7 +3343,7 @@
             <a:hlinkClick r:id="rId5" tooltip="Software University Foundaton"/>
             <a:extLst>
               <a:ext uri="{FF2B5EF4-FFF2-40B4-BE49-F238E27FC236}">
-                <a16:creationId xmlns="" xmlns:a16="http://schemas.microsoft.com/office/drawing/2014/main" id="{B5855C6E-6513-4A5E-964E-CBB574B2B476}"/>
+                <a16:creationId xmlns:a16="http://schemas.microsoft.com/office/drawing/2014/main" id="{B5855C6E-6513-4A5E-964E-CBB574B2B476}"/>
               </a:ext>
             </a:extLst>
           </p:cNvPr>
@@ -3387,7 +3383,7 @@
             <a:hlinkClick r:id="rId5" tooltip="Software University Foundaton"/>
             <a:extLst>
               <a:ext uri="{FF2B5EF4-FFF2-40B4-BE49-F238E27FC236}">
-                <a16:creationId xmlns="" xmlns:a16="http://schemas.microsoft.com/office/drawing/2014/main" id="{719AA859-1237-4914-865D-8E0CD3AD6567}"/>
+                <a16:creationId xmlns:a16="http://schemas.microsoft.com/office/drawing/2014/main" id="{719AA859-1237-4914-865D-8E0CD3AD6567}"/>
               </a:ext>
             </a:extLst>
           </p:cNvPr>
@@ -3427,7 +3423,7 @@
             <a:hlinkClick r:id="rId5" tooltip="Software University Foundaton"/>
             <a:extLst>
               <a:ext uri="{FF2B5EF4-FFF2-40B4-BE49-F238E27FC236}">
-                <a16:creationId xmlns="" xmlns:a16="http://schemas.microsoft.com/office/drawing/2014/main" id="{53CC8498-FFA6-457D-8B54-3BF3461CEF7A}"/>
+                <a16:creationId xmlns:a16="http://schemas.microsoft.com/office/drawing/2014/main" id="{53CC8498-FFA6-457D-8B54-3BF3461CEF7A}"/>
               </a:ext>
             </a:extLst>
           </p:cNvPr>
@@ -3467,7 +3463,7 @@
             <a:hlinkClick r:id="rId5" tooltip="Software University Foundaton"/>
             <a:extLst>
               <a:ext uri="{FF2B5EF4-FFF2-40B4-BE49-F238E27FC236}">
-                <a16:creationId xmlns="" xmlns:a16="http://schemas.microsoft.com/office/drawing/2014/main" id="{2E797E8D-83EB-4466-9FA3-509596EA5568}"/>
+                <a16:creationId xmlns:a16="http://schemas.microsoft.com/office/drawing/2014/main" id="{2E797E8D-83EB-4466-9FA3-509596EA5568}"/>
               </a:ext>
             </a:extLst>
           </p:cNvPr>
@@ -3507,7 +3503,7 @@
             <a:hlinkClick r:id="rId5" tooltip="Software University Foundaton"/>
             <a:extLst>
               <a:ext uri="{FF2B5EF4-FFF2-40B4-BE49-F238E27FC236}">
-                <a16:creationId xmlns="" xmlns:a16="http://schemas.microsoft.com/office/drawing/2014/main" id="{58B95D20-6C4F-4F79-AA1D-E40A00E41053}"/>
+                <a16:creationId xmlns:a16="http://schemas.microsoft.com/office/drawing/2014/main" id="{58B95D20-6C4F-4F79-AA1D-E40A00E41053}"/>
               </a:ext>
             </a:extLst>
           </p:cNvPr>
@@ -3547,7 +3543,7 @@
             <a:hlinkClick r:id="rId5" tooltip="Software University Foundaton"/>
             <a:extLst>
               <a:ext uri="{FF2B5EF4-FFF2-40B4-BE49-F238E27FC236}">
-                <a16:creationId xmlns="" xmlns:a16="http://schemas.microsoft.com/office/drawing/2014/main" id="{2CD5EF91-E0BC-462F-B1B8-6B3F8F1038E5}"/>
+                <a16:creationId xmlns:a16="http://schemas.microsoft.com/office/drawing/2014/main" id="{2CD5EF91-E0BC-462F-B1B8-6B3F8F1038E5}"/>
               </a:ext>
             </a:extLst>
           </p:cNvPr>
@@ -3587,7 +3583,7 @@
             <a:hlinkClick r:id="rId5" tooltip="Software University Foundaton"/>
             <a:extLst>
               <a:ext uri="{FF2B5EF4-FFF2-40B4-BE49-F238E27FC236}">
-                <a16:creationId xmlns="" xmlns:a16="http://schemas.microsoft.com/office/drawing/2014/main" id="{6FF45627-4AF4-4071-A0E8-76738F228651}"/>
+                <a16:creationId xmlns:a16="http://schemas.microsoft.com/office/drawing/2014/main" id="{6FF45627-4AF4-4071-A0E8-76738F228651}"/>
               </a:ext>
             </a:extLst>
           </p:cNvPr>
@@ -3627,7 +3623,7 @@
             <a:hlinkClick r:id="rId5" tooltip="Software University Foundaton"/>
             <a:extLst>
               <a:ext uri="{FF2B5EF4-FFF2-40B4-BE49-F238E27FC236}">
-                <a16:creationId xmlns="" xmlns:a16="http://schemas.microsoft.com/office/drawing/2014/main" id="{BF119269-565D-4BCB-BED2-4133229E3330}"/>
+                <a16:creationId xmlns:a16="http://schemas.microsoft.com/office/drawing/2014/main" id="{BF119269-565D-4BCB-BED2-4133229E3330}"/>
               </a:ext>
             </a:extLst>
           </p:cNvPr>
@@ -3667,7 +3663,7 @@
             <a:hlinkClick r:id="rId5" tooltip="Software University Foundaton"/>
             <a:extLst>
               <a:ext uri="{FF2B5EF4-FFF2-40B4-BE49-F238E27FC236}">
-                <a16:creationId xmlns="" xmlns:a16="http://schemas.microsoft.com/office/drawing/2014/main" id="{C9FE10EB-E49B-416A-A18D-617D25B2AADB}"/>
+                <a16:creationId xmlns:a16="http://schemas.microsoft.com/office/drawing/2014/main" id="{C9FE10EB-E49B-416A-A18D-617D25B2AADB}"/>
               </a:ext>
             </a:extLst>
           </p:cNvPr>
@@ -3707,7 +3703,7 @@
             <a:hlinkClick r:id="rId5" tooltip="Software University Foundaton"/>
             <a:extLst>
               <a:ext uri="{FF2B5EF4-FFF2-40B4-BE49-F238E27FC236}">
-                <a16:creationId xmlns="" xmlns:a16="http://schemas.microsoft.com/office/drawing/2014/main" id="{B9FCDDF2-3137-4E34-B264-5F180611DC0D}"/>
+                <a16:creationId xmlns:a16="http://schemas.microsoft.com/office/drawing/2014/main" id="{B9FCDDF2-3137-4E34-B264-5F180611DC0D}"/>
               </a:ext>
             </a:extLst>
           </p:cNvPr>
@@ -3747,7 +3743,7 @@
             <a:hlinkClick r:id="rId5" tooltip="Software University Foundaton"/>
             <a:extLst>
               <a:ext uri="{FF2B5EF4-FFF2-40B4-BE49-F238E27FC236}">
-                <a16:creationId xmlns="" xmlns:a16="http://schemas.microsoft.com/office/drawing/2014/main" id="{F4930118-998D-499A-B37E-D5577CC1A7E4}"/>
+                <a16:creationId xmlns:a16="http://schemas.microsoft.com/office/drawing/2014/main" id="{F4930118-998D-499A-B37E-D5577CC1A7E4}"/>
               </a:ext>
             </a:extLst>
           </p:cNvPr>
@@ -3787,7 +3783,7 @@
             <a:hlinkClick r:id="rId5" tooltip="Software University Foundaton"/>
             <a:extLst>
               <a:ext uri="{FF2B5EF4-FFF2-40B4-BE49-F238E27FC236}">
-                <a16:creationId xmlns="" xmlns:a16="http://schemas.microsoft.com/office/drawing/2014/main" id="{A0EE0643-28B4-437C-A977-17D2723F8213}"/>
+                <a16:creationId xmlns:a16="http://schemas.microsoft.com/office/drawing/2014/main" id="{A0EE0643-28B4-437C-A977-17D2723F8213}"/>
               </a:ext>
             </a:extLst>
           </p:cNvPr>
@@ -3827,7 +3823,7 @@
             <a:hlinkClick r:id="rId5" tooltip="Software University Foundaton"/>
             <a:extLst>
               <a:ext uri="{FF2B5EF4-FFF2-40B4-BE49-F238E27FC236}">
-                <a16:creationId xmlns="" xmlns:a16="http://schemas.microsoft.com/office/drawing/2014/main" id="{ADAF237D-C784-4665-8DD2-A2B085FC2CAF}"/>
+                <a16:creationId xmlns:a16="http://schemas.microsoft.com/office/drawing/2014/main" id="{ADAF237D-C784-4665-8DD2-A2B085FC2CAF}"/>
               </a:ext>
             </a:extLst>
           </p:cNvPr>
@@ -3867,7 +3863,7 @@
             <a:hlinkClick r:id="rId5" tooltip="Software University Foundaton"/>
             <a:extLst>
               <a:ext uri="{FF2B5EF4-FFF2-40B4-BE49-F238E27FC236}">
-                <a16:creationId xmlns="" xmlns:a16="http://schemas.microsoft.com/office/drawing/2014/main" id="{012AF389-E695-4054-9706-588DCD4FD543}"/>
+                <a16:creationId xmlns:a16="http://schemas.microsoft.com/office/drawing/2014/main" id="{012AF389-E695-4054-9706-588DCD4FD543}"/>
               </a:ext>
             </a:extLst>
           </p:cNvPr>
@@ -3907,7 +3903,7 @@
             <a:hlinkClick r:id="rId5" tooltip="Software University Foundaton"/>
             <a:extLst>
               <a:ext uri="{FF2B5EF4-FFF2-40B4-BE49-F238E27FC236}">
-                <a16:creationId xmlns="" xmlns:a16="http://schemas.microsoft.com/office/drawing/2014/main" id="{98678852-FD82-4E90-BE26-4D9E01678873}"/>
+                <a16:creationId xmlns:a16="http://schemas.microsoft.com/office/drawing/2014/main" id="{98678852-FD82-4E90-BE26-4D9E01678873}"/>
               </a:ext>
             </a:extLst>
           </p:cNvPr>
@@ -4021,7 +4017,7 @@
             <a:fld id="{055373AC-9AA7-423B-BA00-BA1C74164DBD}" type="datetime1">
               <a:rPr lang="en-US" smtClean="0"/>
               <a:pPr/>
-              <a:t>6/29/2018</a:t>
+              <a:t>07-Jul-18</a:t>
             </a:fld>
             <a:endParaRPr lang="en-US" dirty="0"/>
           </a:p>
@@ -4550,7 +4546,7 @@
   </p:txStyles>
   <p:extLst mod="1">
     <p:ext uri="{27BBF7A9-308A-43DC-89C8-2F10F3537804}">
-      <p15:sldGuideLst xmlns="" xmlns:p15="http://schemas.microsoft.com/office/powerpoint/2012/main">
+      <p15:sldGuideLst xmlns:p15="http://schemas.microsoft.com/office/powerpoint/2012/main">
         <p15:guide id="1" orient="horz" pos="2160" userDrawn="1">
           <p15:clr>
             <a:srgbClr val="F26B43"/>
@@ -4862,7 +4858,7 @@
           <p:cNvPr id="23" name="Picture 22">
             <a:extLst>
               <a:ext uri="{FF2B5EF4-FFF2-40B4-BE49-F238E27FC236}">
-                <a16:creationId xmlns="" xmlns:a16="http://schemas.microsoft.com/office/drawing/2014/main" id="{C0D3D29C-BAF5-4006-8125-0CCBDDF50E66}"/>
+                <a16:creationId xmlns:a16="http://schemas.microsoft.com/office/drawing/2014/main" id="{C0D3D29C-BAF5-4006-8125-0CCBDDF50E66}"/>
               </a:ext>
             </a:extLst>
           </p:cNvPr>
@@ -4898,7 +4894,7 @@
           <p:cNvPr id="14" name="Picture 13">
             <a:extLst>
               <a:ext uri="{FF2B5EF4-FFF2-40B4-BE49-F238E27FC236}">
-                <a16:creationId xmlns="" xmlns:a16="http://schemas.microsoft.com/office/drawing/2014/main" id="{59EDAB68-3787-4615-BBA2-C1A8F5FC8D56}"/>
+                <a16:creationId xmlns:a16="http://schemas.microsoft.com/office/drawing/2014/main" id="{59EDAB68-3787-4615-BBA2-C1A8F5FC8D56}"/>
               </a:ext>
             </a:extLst>
           </p:cNvPr>
@@ -13443,12 +13439,8 @@
               <a:buAutoNum type="arabicPeriod"/>
             </a:pPr>
             <a:r>
-              <a:rPr lang="en-US" dirty="0" smtClean="0"/>
-              <a:t>Code </a:t>
-            </a:r>
-            <a:r>
               <a:rPr lang="en-US" dirty="0"/>
-              <a:t>Organization Patterns</a:t>
+              <a:t>Code Organization Patterns</a:t>
             </a:r>
           </a:p>
           <a:p>
@@ -13500,7 +13492,7 @@
           <p:cNvPr id="5" name="Picture 4" descr="A drawing of a cartoon character&#10;&#10;Description generated with high confidence">
             <a:extLst>
               <a:ext uri="{FF2B5EF4-FFF2-40B4-BE49-F238E27FC236}">
-                <a16:creationId xmlns="" xmlns:a16="http://schemas.microsoft.com/office/drawing/2014/main" id="{8A4321C1-0DAC-40C4-A4A0-54B7CB9291FC}"/>
+                <a16:creationId xmlns:a16="http://schemas.microsoft.com/office/drawing/2014/main" id="{8A4321C1-0DAC-40C4-A4A0-54B7CB9291FC}"/>
               </a:ext>
             </a:extLst>
           </p:cNvPr>
@@ -14359,15 +14351,22 @@
             <a:pPr lvl="1"/>
             <a:r>
               <a:rPr lang="en-US" dirty="0"/>
-              <a:t>Use HTML+CSS</a:t>
-            </a:r>
-            <a:r>
-              <a:rPr lang="en-US" dirty="0" smtClean="0"/>
-              <a:t>, </a:t>
-            </a:r>
+              <a:t>Use HTML+CSS, a professional tool or </a:t>
+            </a:r>
+            <a:r>
+              <a:rPr lang="en-US" dirty="0">
+                <a:solidFill>
+                  <a:schemeClr val="accent1"/>
+                </a:solidFill>
+              </a:rPr>
+              <a:t>just paper</a:t>
+            </a:r>
+          </a:p>
+          <a:p>
+            <a:pPr lvl="1"/>
             <a:r>
               <a:rPr lang="en-US" dirty="0"/>
-              <a:t>a professional tool or </a:t>
+              <a:t>Mock the </a:t>
             </a:r>
             <a:r>
               <a:rPr lang="en-US" dirty="0">
@@ -14375,48 +14374,20 @@
                   <a:schemeClr val="accent1"/>
                 </a:solidFill>
               </a:rPr>
-              <a:t>just </a:t>
-            </a:r>
-            <a:r>
-              <a:rPr lang="en-US" dirty="0" smtClean="0">
+              <a:t>API calls </a:t>
+            </a:r>
+            <a:r>
+              <a:rPr lang="en-US" dirty="0"/>
+              <a:t>and </a:t>
+            </a:r>
+            <a:r>
+              <a:rPr lang="en-US" dirty="0">
                 <a:solidFill>
                   <a:schemeClr val="accent1"/>
                 </a:solidFill>
               </a:rPr>
-              <a:t>paper</a:t>
-            </a:r>
-          </a:p>
-          <a:p>
-            <a:pPr lvl="1"/>
-            <a:r>
-              <a:rPr lang="en-US" dirty="0" smtClean="0"/>
-              <a:t>Mock the </a:t>
-            </a:r>
-            <a:r>
-              <a:rPr lang="en-US" dirty="0" smtClean="0">
-                <a:solidFill>
-                  <a:schemeClr val="accent1"/>
-                </a:solidFill>
-              </a:rPr>
-              <a:t>API calls </a:t>
-            </a:r>
-            <a:r>
-              <a:rPr lang="en-US" dirty="0" smtClean="0"/>
-              <a:t>and </a:t>
-            </a:r>
-            <a:r>
-              <a:rPr lang="en-US" dirty="0" smtClean="0">
-                <a:solidFill>
-                  <a:schemeClr val="accent1"/>
-                </a:solidFill>
-              </a:rPr>
               <a:t>data</a:t>
             </a:r>
-            <a:endParaRPr lang="en-US" dirty="0">
-              <a:solidFill>
-                <a:schemeClr val="accent1"/>
-              </a:solidFill>
-            </a:endParaRPr>
           </a:p>
           <a:p>
             <a:r>
@@ -14736,11 +14707,11 @@
               </a:lnSpc>
             </a:pPr>
             <a:r>
-              <a:rPr lang="en-US" sz="3200" dirty="0" smtClean="0"/>
+              <a:rPr lang="en-US" sz="3200" dirty="0"/>
               <a:t>Client-side </a:t>
             </a:r>
             <a:r>
-              <a:rPr lang="en-US" sz="3200" dirty="0" smtClean="0">
+              <a:rPr lang="en-US" sz="3200" dirty="0">
                 <a:solidFill>
                   <a:schemeClr val="accent1"/>
                 </a:solidFill>
@@ -14748,7 +14719,7 @@
               <a:t>routing</a:t>
             </a:r>
             <a:r>
-              <a:rPr lang="en-US" sz="3200" dirty="0" smtClean="0"/>
+              <a:rPr lang="en-US" sz="3200" dirty="0"/>
               <a:t> improves UX</a:t>
             </a:r>
           </a:p>
@@ -14759,12 +14730,8 @@
               </a:lnSpc>
             </a:pPr>
             <a:r>
-              <a:rPr lang="en-US" sz="3200" dirty="0" smtClean="0"/>
-              <a:t>React-router </a:t>
-            </a:r>
-            <a:r>
               <a:rPr lang="en-US" sz="3200" dirty="0"/>
-              <a:t>is a </a:t>
+              <a:t>React-router is a </a:t>
             </a:r>
             <a:r>
               <a:rPr lang="en-US" sz="3200" dirty="0">
@@ -14789,20 +14756,12 @@
               </a:spcBef>
             </a:pPr>
             <a:r>
-              <a:rPr lang="en-US" sz="3200" dirty="0" smtClean="0">
+              <a:rPr lang="en-US" sz="3200" dirty="0">
                 <a:solidFill>
                   <a:schemeClr val="accent1"/>
                 </a:solidFill>
               </a:rPr>
-              <a:t>React </a:t>
-            </a:r>
-            <a:r>
-              <a:rPr lang="en-US" sz="3200" dirty="0">
-                <a:solidFill>
-                  <a:schemeClr val="accent1"/>
-                </a:solidFill>
-              </a:rPr>
-              <a:t>apps </a:t>
+              <a:t>React apps </a:t>
             </a:r>
             <a:r>
               <a:rPr lang="en-US" sz="3200" dirty="0"/>
@@ -14853,7 +14812,7 @@
           <p:cNvPr id="8" name="Picture 7">
             <a:extLst>
               <a:ext uri="{FF2B5EF4-FFF2-40B4-BE49-F238E27FC236}">
-                <a16:creationId xmlns="" xmlns:a16="http://schemas.microsoft.com/office/drawing/2014/main" id="{714E6570-DF10-4D43-9B0A-9612F3836581}"/>
+                <a16:creationId xmlns:a16="http://schemas.microsoft.com/office/drawing/2014/main" id="{714E6570-DF10-4D43-9B0A-9612F3836581}"/>
               </a:ext>
             </a:extLst>
           </p:cNvPr>
@@ -16444,7 +16403,7 @@
           <p:cNvPr id="16" name="Picture 15" descr="A picture containing clipart&#10;&#10;Description generated with very high confidence">
             <a:extLst>
               <a:ext uri="{FF2B5EF4-FFF2-40B4-BE49-F238E27FC236}">
-                <a16:creationId xmlns="" xmlns:a16="http://schemas.microsoft.com/office/drawing/2014/main" id="{1D5EA20F-A08B-46D3-A0D8-2268395A0484}"/>
+                <a16:creationId xmlns:a16="http://schemas.microsoft.com/office/drawing/2014/main" id="{1D5EA20F-A08B-46D3-A0D8-2268395A0484}"/>
               </a:ext>
             </a:extLst>
           </p:cNvPr>
@@ -16633,23 +16592,19 @@
               </a:rPr>
               <a:t>sli.do</a:t>
             </a:r>
-            <a:r>
-              <a:rPr lang="en-US" sz="6000" b="1" dirty="0"/>
-              <a:t/>
-            </a:r>
             <a:br>
               <a:rPr lang="en-US" sz="6000" b="1" dirty="0"/>
             </a:br>
             <a:r>
-              <a:rPr lang="en-US" sz="11500" b="1" dirty="0" smtClean="0"/>
+              <a:rPr lang="en-US" sz="11500" b="1" dirty="0"/>
               <a:t>#</a:t>
             </a:r>
             <a:r>
-              <a:rPr lang="en-US" sz="11500" b="1" dirty="0" err="1" smtClean="0"/>
+              <a:rPr lang="en-US" sz="11500" b="1" dirty="0" err="1"/>
               <a:t>js</a:t>
             </a:r>
             <a:r>
-              <a:rPr lang="en-US" sz="11500" b="1" dirty="0" smtClean="0"/>
+              <a:rPr lang="en-US" sz="11500" b="1" dirty="0"/>
               <a:t>-web</a:t>
             </a:r>
             <a:endParaRPr lang="en-US" sz="6000" b="1" dirty="0"/>
@@ -16926,15 +16881,7 @@
           <a:p>
             <a:r>
               <a:rPr lang="en-US" dirty="0"/>
-              <a:t>What is </a:t>
-            </a:r>
-            <a:r>
-              <a:rPr lang="en-US" dirty="0" smtClean="0"/>
-              <a:t>Client-side Routing</a:t>
-            </a:r>
-            <a:r>
-              <a:rPr lang="en-US" dirty="0"/>
-              <a:t>?</a:t>
+              <a:t>What is Client-side Routing?</a:t>
             </a:r>
           </a:p>
         </p:txBody>
@@ -17683,10 +17630,9 @@
           <a:p>
             <a:pPr algn="ctr"/>
             <a:r>
-              <a:rPr lang="en-US" sz="2800" dirty="0" smtClean="0"/>
+              <a:rPr lang="en-US" sz="2800" dirty="0"/>
               <a:t>Client-side Routing</a:t>
             </a:r>
-            <a:endParaRPr lang="en-US" sz="2800" dirty="0"/>
           </a:p>
         </p:txBody>
       </p:sp>
@@ -20156,7 +20102,7 @@
                 </a:effectLst>
                 <a:latin typeface="Consolas" pitchFamily="49" charset="0"/>
               </a:rPr>
-              <a:t>react-router</a:t>
+              <a:t>react-router-dom</a:t>
             </a:r>
             <a:endParaRPr lang="en-US" sz="3200" b="1" noProof="1">
               <a:solidFill>
